--- a/doc/group/Group report_Iteration 5.pptx
+++ b/doc/group/Group report_Iteration 5.pptx
@@ -300,7 +300,7 @@
           <a:p>
             <a:fld id="{3495532E-CC90-4E51-8F99-3E90AA8A32AF}" type="datetimeFigureOut">
               <a:rPr lang="en-US" smtClean="0"/>
-              <a:t>5/9/2012</a:t>
+              <a:t>5/10/2012</a:t>
             </a:fld>
             <a:endParaRPr lang="en-US"/>
           </a:p>
@@ -470,7 +470,7 @@
           <a:p>
             <a:fld id="{3495532E-CC90-4E51-8F99-3E90AA8A32AF}" type="datetimeFigureOut">
               <a:rPr lang="en-US" smtClean="0"/>
-              <a:t>5/9/2012</a:t>
+              <a:t>5/10/2012</a:t>
             </a:fld>
             <a:endParaRPr lang="en-US"/>
           </a:p>
@@ -650,7 +650,7 @@
           <a:p>
             <a:fld id="{3495532E-CC90-4E51-8F99-3E90AA8A32AF}" type="datetimeFigureOut">
               <a:rPr lang="en-US" smtClean="0"/>
-              <a:t>5/9/2012</a:t>
+              <a:t>5/10/2012</a:t>
             </a:fld>
             <a:endParaRPr lang="en-US"/>
           </a:p>
@@ -820,7 +820,7 @@
           <a:p>
             <a:fld id="{3495532E-CC90-4E51-8F99-3E90AA8A32AF}" type="datetimeFigureOut">
               <a:rPr lang="en-US" smtClean="0"/>
-              <a:t>5/9/2012</a:t>
+              <a:t>5/10/2012</a:t>
             </a:fld>
             <a:endParaRPr lang="en-US"/>
           </a:p>
@@ -1066,7 +1066,7 @@
           <a:p>
             <a:fld id="{3495532E-CC90-4E51-8F99-3E90AA8A32AF}" type="datetimeFigureOut">
               <a:rPr lang="en-US" smtClean="0"/>
-              <a:t>5/9/2012</a:t>
+              <a:t>5/10/2012</a:t>
             </a:fld>
             <a:endParaRPr lang="en-US"/>
           </a:p>
@@ -1354,7 +1354,7 @@
           <a:p>
             <a:fld id="{3495532E-CC90-4E51-8F99-3E90AA8A32AF}" type="datetimeFigureOut">
               <a:rPr lang="en-US" smtClean="0"/>
-              <a:t>5/9/2012</a:t>
+              <a:t>5/10/2012</a:t>
             </a:fld>
             <a:endParaRPr lang="en-US"/>
           </a:p>
@@ -1776,7 +1776,7 @@
           <a:p>
             <a:fld id="{3495532E-CC90-4E51-8F99-3E90AA8A32AF}" type="datetimeFigureOut">
               <a:rPr lang="en-US" smtClean="0"/>
-              <a:t>5/9/2012</a:t>
+              <a:t>5/10/2012</a:t>
             </a:fld>
             <a:endParaRPr lang="en-US"/>
           </a:p>
@@ -1894,7 +1894,7 @@
           <a:p>
             <a:fld id="{3495532E-CC90-4E51-8F99-3E90AA8A32AF}" type="datetimeFigureOut">
               <a:rPr lang="en-US" smtClean="0"/>
-              <a:t>5/9/2012</a:t>
+              <a:t>5/10/2012</a:t>
             </a:fld>
             <a:endParaRPr lang="en-US"/>
           </a:p>
@@ -1989,7 +1989,7 @@
           <a:p>
             <a:fld id="{3495532E-CC90-4E51-8F99-3E90AA8A32AF}" type="datetimeFigureOut">
               <a:rPr lang="en-US" smtClean="0"/>
-              <a:t>5/9/2012</a:t>
+              <a:t>5/10/2012</a:t>
             </a:fld>
             <a:endParaRPr lang="en-US"/>
           </a:p>
@@ -2266,7 +2266,7 @@
           <a:p>
             <a:fld id="{3495532E-CC90-4E51-8F99-3E90AA8A32AF}" type="datetimeFigureOut">
               <a:rPr lang="en-US" smtClean="0"/>
-              <a:t>5/9/2012</a:t>
+              <a:t>5/10/2012</a:t>
             </a:fld>
             <a:endParaRPr lang="en-US"/>
           </a:p>
@@ -2519,7 +2519,7 @@
           <a:p>
             <a:fld id="{3495532E-CC90-4E51-8F99-3E90AA8A32AF}" type="datetimeFigureOut">
               <a:rPr lang="en-US" smtClean="0"/>
-              <a:t>5/9/2012</a:t>
+              <a:t>5/10/2012</a:t>
             </a:fld>
             <a:endParaRPr lang="en-US"/>
           </a:p>
@@ -2732,7 +2732,7 @@
           <a:p>
             <a:fld id="{3495532E-CC90-4E51-8F99-3E90AA8A32AF}" type="datetimeFigureOut">
               <a:rPr lang="en-US" smtClean="0"/>
-              <a:t>5/9/2012</a:t>
+              <a:t>5/10/2012</a:t>
             </a:fld>
             <a:endParaRPr lang="en-US"/>
           </a:p>
@@ -3516,35 +3516,19 @@
           <a:p>
             <a:r>
               <a:rPr lang="en-US" dirty="0" smtClean="0"/>
-              <a:t>In reality, software development require a stable team. </a:t>
-            </a:r>
-            <a:r>
-              <a:rPr lang="en-US" dirty="0" smtClean="0"/>
-              <a:t>So more or less, p</a:t>
-            </a:r>
-            <a:r>
-              <a:rPr lang="en-US" dirty="0" smtClean="0"/>
-              <a:t>eriodical </a:t>
-            </a:r>
-            <a:r>
-              <a:rPr lang="en-US" dirty="0" smtClean="0"/>
-              <a:t>changing role </a:t>
-            </a:r>
-            <a:r>
-              <a:rPr lang="en-US" dirty="0" smtClean="0"/>
-              <a:t>(</a:t>
-            </a:r>
-            <a:r>
-              <a:rPr lang="en-US" smtClean="0"/>
-              <a:t>each iteration) makes </a:t>
-            </a:r>
-            <a:r>
-              <a:rPr lang="en-US" dirty="0" smtClean="0"/>
-              <a:t>one person feel hard to take over works other peoples </a:t>
-            </a:r>
-            <a:r>
-              <a:rPr lang="en-US" dirty="0" smtClean="0"/>
-              <a:t>left</a:t>
+              <a:t>In reality, software development </a:t>
+            </a:r>
+            <a:r>
+              <a:rPr lang="en-US" dirty="0" smtClean="0"/>
+              <a:t>prefers</a:t>
+            </a:r>
+            <a:r>
+              <a:rPr lang="en-US" dirty="0" smtClean="0"/>
+              <a:t> </a:t>
+            </a:r>
+            <a:r>
+              <a:rPr lang="en-US" dirty="0" smtClean="0"/>
+              <a:t>a stable team. So more or less, periodical changing role (each iteration) makes one person feel hard to take over works other peoples left</a:t>
             </a:r>
             <a:endParaRPr lang="en-US" dirty="0"/>
           </a:p>
@@ -3721,13 +3705,27 @@
           <a:p>
             <a:r>
               <a:rPr lang="en-US" dirty="0" smtClean="0"/>
-              <a:t>Prepare for the final report</a:t>
-            </a:r>
-          </a:p>
-          <a:p>
-            <a:r>
-              <a:rPr lang="en-US" dirty="0" smtClean="0"/>
-              <a:t>Continue to fix bug if we have time</a:t>
+              <a:t>Prepare for the final report (highest priority)</a:t>
+            </a:r>
+          </a:p>
+          <a:p>
+            <a:r>
+              <a:rPr lang="en-US" dirty="0" smtClean="0"/>
+              <a:t>Implement administrative features</a:t>
+            </a:r>
+          </a:p>
+          <a:p>
+            <a:r>
+              <a:rPr lang="en-US" dirty="0" smtClean="0"/>
+              <a:t>Continue to fix bug if we have time (</a:t>
+            </a:r>
+            <a:r>
+              <a:rPr lang="en-US" dirty="0" err="1" smtClean="0"/>
+              <a:t>optinal</a:t>
+            </a:r>
+            <a:r>
+              <a:rPr lang="en-US" smtClean="0"/>
+              <a:t>)</a:t>
             </a:r>
             <a:endParaRPr lang="en-US" dirty="0"/>
           </a:p>
